--- a/188 - Lift Your Glad Voices.pptx
+++ b/188 - Lift Your Glad Voices.pptx
@@ -242,7 +242,7 @@
           <a:p>
             <a:fld id="{32F7251A-AE54-443C-B8FE-5F636E835EBF}" type="datetimeFigureOut">
               <a:rPr lang="en-US" smtClean="0"/>
-              <a:t>4/1/2018</a:t>
+              <a:t>4/5/2020</a:t>
             </a:fld>
             <a:endParaRPr lang="en-US"/>
           </a:p>
@@ -410,7 +410,7 @@
           <a:p>
             <a:fld id="{32F7251A-AE54-443C-B8FE-5F636E835EBF}" type="datetimeFigureOut">
               <a:rPr lang="en-US" smtClean="0"/>
-              <a:t>4/1/2018</a:t>
+              <a:t>4/5/2020</a:t>
             </a:fld>
             <a:endParaRPr lang="en-US"/>
           </a:p>
@@ -588,7 +588,7 @@
           <a:p>
             <a:fld id="{32F7251A-AE54-443C-B8FE-5F636E835EBF}" type="datetimeFigureOut">
               <a:rPr lang="en-US" smtClean="0"/>
-              <a:t>4/1/2018</a:t>
+              <a:t>4/5/2020</a:t>
             </a:fld>
             <a:endParaRPr lang="en-US"/>
           </a:p>
@@ -756,7 +756,7 @@
           <a:p>
             <a:fld id="{32F7251A-AE54-443C-B8FE-5F636E835EBF}" type="datetimeFigureOut">
               <a:rPr lang="en-US" smtClean="0"/>
-              <a:t>4/1/2018</a:t>
+              <a:t>4/5/2020</a:t>
             </a:fld>
             <a:endParaRPr lang="en-US"/>
           </a:p>
@@ -1001,7 +1001,7 @@
           <a:p>
             <a:fld id="{32F7251A-AE54-443C-B8FE-5F636E835EBF}" type="datetimeFigureOut">
               <a:rPr lang="en-US" smtClean="0"/>
-              <a:t>4/1/2018</a:t>
+              <a:t>4/5/2020</a:t>
             </a:fld>
             <a:endParaRPr lang="en-US"/>
           </a:p>
@@ -1230,7 +1230,7 @@
           <a:p>
             <a:fld id="{32F7251A-AE54-443C-B8FE-5F636E835EBF}" type="datetimeFigureOut">
               <a:rPr lang="en-US" smtClean="0"/>
-              <a:t>4/1/2018</a:t>
+              <a:t>4/5/2020</a:t>
             </a:fld>
             <a:endParaRPr lang="en-US"/>
           </a:p>
@@ -1594,7 +1594,7 @@
           <a:p>
             <a:fld id="{32F7251A-AE54-443C-B8FE-5F636E835EBF}" type="datetimeFigureOut">
               <a:rPr lang="en-US" smtClean="0"/>
-              <a:t>4/1/2018</a:t>
+              <a:t>4/5/2020</a:t>
             </a:fld>
             <a:endParaRPr lang="en-US"/>
           </a:p>
@@ -1711,7 +1711,7 @@
           <a:p>
             <a:fld id="{32F7251A-AE54-443C-B8FE-5F636E835EBF}" type="datetimeFigureOut">
               <a:rPr lang="en-US" smtClean="0"/>
-              <a:t>4/1/2018</a:t>
+              <a:t>4/5/2020</a:t>
             </a:fld>
             <a:endParaRPr lang="en-US"/>
           </a:p>
@@ -1806,7 +1806,7 @@
           <a:p>
             <a:fld id="{32F7251A-AE54-443C-B8FE-5F636E835EBF}" type="datetimeFigureOut">
               <a:rPr lang="en-US" smtClean="0"/>
-              <a:t>4/1/2018</a:t>
+              <a:t>4/5/2020</a:t>
             </a:fld>
             <a:endParaRPr lang="en-US"/>
           </a:p>
@@ -2081,7 +2081,7 @@
           <a:p>
             <a:fld id="{32F7251A-AE54-443C-B8FE-5F636E835EBF}" type="datetimeFigureOut">
               <a:rPr lang="en-US" smtClean="0"/>
-              <a:t>4/1/2018</a:t>
+              <a:t>4/5/2020</a:t>
             </a:fld>
             <a:endParaRPr lang="en-US"/>
           </a:p>
@@ -2333,7 +2333,7 @@
           <a:p>
             <a:fld id="{32F7251A-AE54-443C-B8FE-5F636E835EBF}" type="datetimeFigureOut">
               <a:rPr lang="en-US" smtClean="0"/>
-              <a:t>4/1/2018</a:t>
+              <a:t>4/5/2020</a:t>
             </a:fld>
             <a:endParaRPr lang="en-US"/>
           </a:p>
@@ -2400,7 +2400,9 @@
     <p:bg>
       <p:bgPr>
         <a:solidFill>
-          <a:srgbClr val="333333"/>
+          <a:schemeClr val="bg1">
+            <a:lumMod val="10000"/>
+          </a:schemeClr>
         </a:solidFill>
         <a:effectLst/>
       </p:bgPr>
@@ -2547,7 +2549,7 @@
           <a:p>
             <a:fld id="{32F7251A-AE54-443C-B8FE-5F636E835EBF}" type="datetimeFigureOut">
               <a:rPr lang="en-US" smtClean="0"/>
-              <a:t>4/1/2018</a:t>
+              <a:t>4/5/2020</a:t>
             </a:fld>
             <a:endParaRPr lang="en-US"/>
           </a:p>
@@ -3029,15 +3031,23 @@
           <a:bodyPr wrap="square" rtlCol="0" anchor="ctr">
             <a:spAutoFit/>
           </a:bodyPr>
-          <a:lstStyle/>
-          <a:p>
-            <a:pPr algn="ctr"/>
-            <a:r>
-              <a:rPr lang="en-US" sz="4800" dirty="0">
+          <a:lstStyle>
+            <a:defPPr>
+              <a:defRPr lang="en-US"/>
+            </a:defPPr>
+            <a:lvl1pPr algn="ctr">
+              <a:defRPr sz="3200" u="sng">
                 <a:solidFill>
                   <a:schemeClr val="bg1"/>
                 </a:solidFill>
-              </a:rPr>
+                <a:latin typeface="Assistant SemiBold" panose="00000700000000000000" pitchFamily="2" charset="-79"/>
+                <a:cs typeface="Assistant SemiBold" panose="00000700000000000000" pitchFamily="2" charset="-79"/>
+              </a:defRPr>
+            </a:lvl1pPr>
+          </a:lstStyle>
+          <a:p>
+            <a:r>
+              <a:rPr lang="en-US" dirty="0"/>
               <a:t>“Lift Your Glad Voices”</a:t>
             </a:r>
           </a:p>
@@ -3051,8 +3061,8 @@
         </p:nvSpPr>
         <p:spPr>
           <a:xfrm>
-            <a:off x="0" y="229060"/>
-            <a:ext cx="12192000" cy="5016758"/>
+            <a:off x="0" y="610983"/>
+            <a:ext cx="12192000" cy="3637359"/>
           </a:xfrm>
           <a:prstGeom prst="rect">
             <a:avLst/>
@@ -3063,124 +3073,79 @@
           <a:bodyPr wrap="square" rtlCol="0">
             <a:spAutoFit/>
           </a:bodyPr>
-          <a:lstStyle/>
-          <a:p>
-            <a:pPr algn="ctr"/>
-            <a:r>
-              <a:rPr lang="en-US" sz="3200" dirty="0">
+          <a:lstStyle>
+            <a:defPPr>
+              <a:defRPr lang="en-US"/>
+            </a:defPPr>
+            <a:lvl1pPr algn="ctr">
+              <a:defRPr sz="2800" spc="50">
                 <a:solidFill>
                   <a:schemeClr val="bg1"/>
                 </a:solidFill>
-              </a:rPr>
+                <a:latin typeface="Assistant" panose="00000500000000000000" pitchFamily="2" charset="-79"/>
+                <a:cs typeface="Assistant" panose="00000500000000000000" pitchFamily="2" charset="-79"/>
+              </a:defRPr>
+            </a:lvl1pPr>
+          </a:lstStyle>
+          <a:p>
+            <a:r>
+              <a:rPr lang="en-US" dirty="0"/>
               <a:t>Lift your glad voices in triumph on high,</a:t>
             </a:r>
           </a:p>
           <a:p>
-            <a:pPr algn="ctr"/>
-            <a:r>
-              <a:rPr lang="en-US" sz="3200" dirty="0">
-                <a:solidFill>
-                  <a:schemeClr val="bg1"/>
-                </a:solidFill>
-              </a:rPr>
+            <a:r>
+              <a:rPr lang="en-US" dirty="0"/>
               <a:t>For Jesus hath risen, and man cannot die.</a:t>
             </a:r>
           </a:p>
           <a:p>
-            <a:pPr algn="ctr"/>
-            <a:endParaRPr lang="en-US" sz="3200" dirty="0">
-              <a:solidFill>
-                <a:schemeClr val="bg1"/>
-              </a:solidFill>
-            </a:endParaRPr>
-          </a:p>
-          <a:p>
-            <a:pPr algn="ctr"/>
-            <a:r>
-              <a:rPr lang="en-US" sz="3200" dirty="0">
-                <a:solidFill>
-                  <a:schemeClr val="bg1"/>
-                </a:solidFill>
-              </a:rPr>
+            <a:endParaRPr lang="en-US" dirty="0"/>
+          </a:p>
+          <a:p>
+            <a:r>
+              <a:rPr lang="en-US" dirty="0"/>
               <a:t>Vain were the terrors that gathered around Him,</a:t>
             </a:r>
           </a:p>
           <a:p>
-            <a:pPr algn="ctr"/>
-            <a:r>
-              <a:rPr lang="en-US" sz="3200" dirty="0">
-                <a:solidFill>
-                  <a:schemeClr val="bg1"/>
-                </a:solidFill>
-              </a:rPr>
+            <a:r>
+              <a:rPr lang="en-US" dirty="0"/>
               <a:t>And short the dominion of death and the grave.</a:t>
             </a:r>
           </a:p>
           <a:p>
-            <a:pPr algn="ctr"/>
-            <a:r>
-              <a:rPr lang="en-US" sz="3200" dirty="0">
-                <a:solidFill>
-                  <a:schemeClr val="bg1"/>
-                </a:solidFill>
-              </a:rPr>
+            <a:r>
+              <a:rPr lang="en-US" dirty="0"/>
               <a:t>He burst from the fetter of darkness that bound Him, </a:t>
             </a:r>
           </a:p>
           <a:p>
-            <a:pPr algn="ctr"/>
-            <a:r>
-              <a:rPr lang="en-US" sz="3200" dirty="0">
-                <a:solidFill>
-                  <a:schemeClr val="bg1"/>
-                </a:solidFill>
-              </a:rPr>
+            <a:r>
+              <a:rPr lang="en-US" dirty="0"/>
               <a:t>Resplendent glory, to live and to save.</a:t>
             </a:r>
           </a:p>
           <a:p>
-            <a:pPr algn="ctr"/>
-            <a:endParaRPr lang="en-US" sz="3200" dirty="0">
-              <a:solidFill>
-                <a:schemeClr val="bg1"/>
-              </a:solidFill>
-            </a:endParaRPr>
-          </a:p>
-          <a:p>
-            <a:pPr algn="ctr"/>
-            <a:r>
-              <a:rPr lang="en-US" sz="3200" dirty="0">
-                <a:solidFill>
-                  <a:schemeClr val="bg1"/>
-                </a:solidFill>
-              </a:rPr>
+            <a:endParaRPr lang="en-US" dirty="0"/>
+          </a:p>
+          <a:p>
+            <a:r>
+              <a:rPr lang="en-US" dirty="0"/>
               <a:t>Loud was the chorus of angels on high,</a:t>
             </a:r>
           </a:p>
           <a:p>
-            <a:pPr algn="ctr"/>
-            <a:r>
-              <a:rPr lang="en-US" sz="3200" dirty="0">
-                <a:solidFill>
-                  <a:schemeClr val="bg1"/>
-                </a:solidFill>
-              </a:rPr>
+            <a:r>
+              <a:rPr lang="en-US" dirty="0"/>
               <a:t>“The </a:t>
             </a:r>
             <a:r>
-              <a:rPr lang="en-US" sz="3200" dirty="0" err="1">
-                <a:solidFill>
-                  <a:schemeClr val="bg1"/>
-                </a:solidFill>
-              </a:rPr>
+              <a:rPr lang="en-US" dirty="0" err="1"/>
               <a:t>Saviour</a:t>
             </a:r>
             <a:r>
-              <a:rPr lang="en-US" sz="3200" dirty="0">
-                <a:solidFill>
-                  <a:schemeClr val="bg1"/>
-                </a:solidFill>
-              </a:rPr>
+              <a:rPr lang="en-US" dirty="0"/>
               <a:t> hath risen, and man shall not die!”</a:t>
             </a:r>
           </a:p>
@@ -3293,15 +3258,23 @@
           <a:bodyPr wrap="square" rtlCol="0" anchor="ctr">
             <a:spAutoFit/>
           </a:bodyPr>
-          <a:lstStyle/>
-          <a:p>
-            <a:pPr algn="ctr"/>
-            <a:r>
-              <a:rPr lang="en-US" sz="4800" dirty="0">
+          <a:lstStyle>
+            <a:defPPr>
+              <a:defRPr lang="en-US"/>
+            </a:defPPr>
+            <a:lvl1pPr algn="ctr">
+              <a:defRPr sz="3200" u="sng">
                 <a:solidFill>
                   <a:schemeClr val="bg1"/>
                 </a:solidFill>
-              </a:rPr>
+                <a:latin typeface="Assistant SemiBold" panose="00000700000000000000" pitchFamily="2" charset="-79"/>
+                <a:cs typeface="Assistant SemiBold" panose="00000700000000000000" pitchFamily="2" charset="-79"/>
+              </a:defRPr>
+            </a:lvl1pPr>
+          </a:lstStyle>
+          <a:p>
+            <a:r>
+              <a:rPr lang="en-US" dirty="0"/>
               <a:t>“Lift Your Glad Voices”</a:t>
             </a:r>
           </a:p>
@@ -3315,8 +3288,8 @@
         </p:nvSpPr>
         <p:spPr>
           <a:xfrm>
-            <a:off x="0" y="229060"/>
-            <a:ext cx="12192000" cy="5016758"/>
+            <a:off x="0" y="610983"/>
+            <a:ext cx="12192000" cy="3637359"/>
           </a:xfrm>
           <a:prstGeom prst="rect">
             <a:avLst/>
@@ -3327,108 +3300,71 @@
           <a:bodyPr wrap="square" rtlCol="0">
             <a:spAutoFit/>
           </a:bodyPr>
-          <a:lstStyle/>
-          <a:p>
-            <a:pPr algn="ctr"/>
-            <a:r>
-              <a:rPr lang="en-US" sz="3200" dirty="0">
+          <a:lstStyle>
+            <a:defPPr>
+              <a:defRPr lang="en-US"/>
+            </a:defPPr>
+            <a:lvl1pPr algn="ctr">
+              <a:defRPr sz="2800" spc="50">
                 <a:solidFill>
                   <a:schemeClr val="bg1"/>
                 </a:solidFill>
-              </a:rPr>
+                <a:latin typeface="Assistant" panose="00000500000000000000" pitchFamily="2" charset="-79"/>
+                <a:cs typeface="Assistant" panose="00000500000000000000" pitchFamily="2" charset="-79"/>
+              </a:defRPr>
+            </a:lvl1pPr>
+          </a:lstStyle>
+          <a:p>
+            <a:r>
+              <a:rPr lang="en-US" dirty="0"/>
               <a:t>Glory to God in full anthems of joy!</a:t>
             </a:r>
           </a:p>
           <a:p>
-            <a:pPr algn="ctr"/>
-            <a:r>
-              <a:rPr lang="en-US" sz="3200" dirty="0">
-                <a:solidFill>
-                  <a:schemeClr val="bg1"/>
-                </a:solidFill>
-              </a:rPr>
+            <a:r>
+              <a:rPr lang="en-US" dirty="0"/>
               <a:t>The being He gave us, death cannot destroy.</a:t>
             </a:r>
           </a:p>
           <a:p>
-            <a:pPr algn="ctr"/>
-            <a:endParaRPr lang="en-US" sz="3200" dirty="0">
-              <a:solidFill>
-                <a:schemeClr val="bg1"/>
-              </a:solidFill>
-            </a:endParaRPr>
-          </a:p>
-          <a:p>
-            <a:pPr algn="ctr"/>
-            <a:r>
-              <a:rPr lang="en-US" sz="3200" dirty="0">
-                <a:solidFill>
-                  <a:schemeClr val="bg1"/>
-                </a:solidFill>
-              </a:rPr>
+            <a:endParaRPr lang="en-US" dirty="0"/>
+          </a:p>
+          <a:p>
+            <a:r>
+              <a:rPr lang="en-US" dirty="0"/>
               <a:t>Sad were the life we must part with tomorrow </a:t>
             </a:r>
           </a:p>
           <a:p>
-            <a:pPr algn="ctr"/>
-            <a:r>
-              <a:rPr lang="en-US" sz="3200" dirty="0">
-                <a:solidFill>
-                  <a:schemeClr val="bg1"/>
-                </a:solidFill>
-              </a:rPr>
+            <a:r>
+              <a:rPr lang="en-US" dirty="0"/>
               <a:t>If tears were our birthright and death were our end;</a:t>
             </a:r>
           </a:p>
           <a:p>
-            <a:pPr algn="ctr"/>
-            <a:r>
-              <a:rPr lang="en-US" sz="3200" dirty="0">
-                <a:solidFill>
-                  <a:schemeClr val="bg1"/>
-                </a:solidFill>
-              </a:rPr>
+            <a:r>
+              <a:rPr lang="en-US" dirty="0"/>
               <a:t>But Jesus hath cheered the dark valley of sorrow;</a:t>
             </a:r>
           </a:p>
           <a:p>
-            <a:pPr algn="ctr"/>
-            <a:r>
-              <a:rPr lang="en-US" sz="3200" dirty="0">
-                <a:solidFill>
-                  <a:schemeClr val="bg1"/>
-                </a:solidFill>
-              </a:rPr>
+            <a:r>
+              <a:rPr lang="en-US" dirty="0"/>
               <a:t>We’ll rise from the dead and immortal ascend.</a:t>
             </a:r>
           </a:p>
           <a:p>
-            <a:pPr algn="ctr"/>
-            <a:endParaRPr lang="en-US" sz="3200" dirty="0">
-              <a:solidFill>
-                <a:schemeClr val="bg1"/>
-              </a:solidFill>
-            </a:endParaRPr>
-          </a:p>
-          <a:p>
-            <a:pPr algn="ctr"/>
-            <a:r>
-              <a:rPr lang="en-US" sz="3200" dirty="0">
-                <a:solidFill>
-                  <a:schemeClr val="bg1"/>
-                </a:solidFill>
-              </a:rPr>
+            <a:endParaRPr lang="en-US" dirty="0"/>
+          </a:p>
+          <a:p>
+            <a:r>
+              <a:rPr lang="en-US" dirty="0"/>
               <a:t>Lift, then, your voices in triumph on high,</a:t>
             </a:r>
           </a:p>
           <a:p>
-            <a:pPr algn="ctr"/>
-            <a:r>
-              <a:rPr lang="en-US" sz="3200" dirty="0">
-                <a:solidFill>
-                  <a:schemeClr val="bg1"/>
-                </a:solidFill>
-              </a:rPr>
+            <a:r>
+              <a:rPr lang="en-US" dirty="0"/>
               <a:t>For Jesus hath risen, and man shall not die!</a:t>
             </a:r>
           </a:p>
